--- a/Course Content/What is Scrum.pptx
+++ b/Course Content/What is Scrum.pptx
@@ -173,14 +173,6 @@
 </p:presentation>
 </file>
 
-<file path=ppt/revisionInfo.xml><?xml version="1.0" encoding="utf-8"?>
-<p1510:revInfo xmlns:a="http://schemas.openxmlformats.org/drawingml/2006/main" xmlns:r="http://schemas.openxmlformats.org/officeDocument/2006/relationships" xmlns:p1510="http://schemas.microsoft.com/office/powerpoint/2015/10/main">
-  <p1510:revLst>
-    <p1510:client id="{4995283D-2BB9-45AB-AB57-7A5715C94CEB}" v="5" dt="2021-03-01T16:27:51.908"/>
-  </p1510:revLst>
-</p1510:revInfo>
-</file>
-
 <file path=ppt/changesInfos/changesInfo1.xml><?xml version="1.0" encoding="utf-8"?>
 <pc:chgInfo xmlns:a="http://schemas.openxmlformats.org/drawingml/2006/main" xmlns:r="http://schemas.openxmlformats.org/officeDocument/2006/relationships" xmlns:ac="http://schemas.microsoft.com/office/drawing/2013/main/command" xmlns:pc="http://schemas.microsoft.com/office/powerpoint/2013/main/command">
   <pc:docChgLst>
@@ -292,6 +284,30 @@
             <ac:picMk id="12" creationId="{72CBBD3A-73E3-459A-9C91-924EC8D6A6EA}"/>
           </ac:picMkLst>
         </pc:picChg>
+      </pc:sldChg>
+    </pc:docChg>
+  </pc:docChgLst>
+  <pc:docChgLst>
+    <pc:chgData name="Martin Schray" userId="bf4f4853c980e97a" providerId="LiveId" clId="{D8C111CC-B9F3-4C32-8E69-47294DEEBF03}"/>
+    <pc:docChg chg="modSld">
+      <pc:chgData name="Martin Schray" userId="bf4f4853c980e97a" providerId="LiveId" clId="{D8C111CC-B9F3-4C32-8E69-47294DEEBF03}" dt="2022-01-29T17:06:44.259" v="21" actId="20577"/>
+      <pc:docMkLst>
+        <pc:docMk/>
+      </pc:docMkLst>
+      <pc:sldChg chg="modSp mod">
+        <pc:chgData name="Martin Schray" userId="bf4f4853c980e97a" providerId="LiveId" clId="{D8C111CC-B9F3-4C32-8E69-47294DEEBF03}" dt="2022-01-29T17:06:44.259" v="21" actId="20577"/>
+        <pc:sldMkLst>
+          <pc:docMk/>
+          <pc:sldMk cId="3074976360" sldId="267"/>
+        </pc:sldMkLst>
+        <pc:spChg chg="mod">
+          <ac:chgData name="Martin Schray" userId="bf4f4853c980e97a" providerId="LiveId" clId="{D8C111CC-B9F3-4C32-8E69-47294DEEBF03}" dt="2022-01-29T17:06:44.259" v="21" actId="20577"/>
+          <ac:spMkLst>
+            <pc:docMk/>
+            <pc:sldMk cId="3074976360" sldId="267"/>
+            <ac:spMk id="4" creationId="{16DFC24F-24A2-4DD9-9286-B078EFA477CF}"/>
+          </ac:spMkLst>
+        </pc:spChg>
       </pc:sldChg>
     </pc:docChg>
   </pc:docChgLst>
@@ -19255,7 +19271,7 @@
           <a:p>
             <a:fld id="{EE401711-02DC-4F5A-B0A4-D7A4CFB82638}" type="datetimeFigureOut">
               <a:rPr lang="en-US" dirty="0"/>
-              <a:t>3/1/2021</a:t>
+              <a:t>1/29/2022</a:t>
             </a:fld>
             <a:endParaRPr lang="en-US" dirty="0"/>
           </a:p>
@@ -19585,7 +19601,7 @@
           <a:p>
             <a:fld id="{293336BD-BA89-4B92-9DBC-679F61142570}" type="datetimeFigureOut">
               <a:rPr lang="en-US" dirty="0"/>
-              <a:t>3/1/2021</a:t>
+              <a:t>1/29/2022</a:t>
             </a:fld>
             <a:endParaRPr lang="en-US" dirty="0"/>
           </a:p>
@@ -19776,7 +19792,7 @@
           <a:p>
             <a:fld id="{8C6CB5C7-A3C7-439B-802A-DFE3FCA7ADBD}" type="datetimeFigureOut">
               <a:rPr lang="en-US" dirty="0"/>
-              <a:t>3/1/2021</a:t>
+              <a:t>1/29/2022</a:t>
             </a:fld>
             <a:endParaRPr lang="en-US" dirty="0"/>
           </a:p>
@@ -20041,7 +20057,7 @@
           <a:p>
             <a:fld id="{8E3E65EA-47B7-4DBF-958B-A3D4DA4F431A}" type="datetimeFigureOut">
               <a:rPr lang="en-US" dirty="0"/>
-              <a:t>3/1/2021</a:t>
+              <a:t>1/29/2022</a:t>
             </a:fld>
             <a:endParaRPr lang="en-US" dirty="0"/>
           </a:p>
@@ -20464,7 +20480,7 @@
           <a:p>
             <a:fld id="{33DA4AAA-CF98-48DB-9517-D7ADD1FD1213}" type="datetimeFigureOut">
               <a:rPr lang="en-US" dirty="0"/>
-              <a:t>3/1/2021</a:t>
+              <a:t>1/29/2022</a:t>
             </a:fld>
             <a:endParaRPr lang="en-US" dirty="0"/>
           </a:p>
@@ -21009,7 +21025,7 @@
           <a:p>
             <a:fld id="{2C29F696-D0E7-4C66-925E-251F9C0B0F21}" type="datetimeFigureOut">
               <a:rPr lang="en-US" dirty="0"/>
-              <a:t>3/1/2021</a:t>
+              <a:t>1/29/2022</a:t>
             </a:fld>
             <a:endParaRPr lang="en-US" dirty="0"/>
           </a:p>
@@ -21794,7 +21810,7 @@
           <a:p>
             <a:fld id="{95C2732E-4FBC-4B01-A175-6B1CAC9B226D}" type="datetimeFigureOut">
               <a:rPr lang="en-US" dirty="0"/>
-              <a:t>3/1/2021</a:t>
+              <a:t>1/29/2022</a:t>
             </a:fld>
             <a:endParaRPr lang="en-US" dirty="0"/>
           </a:p>
@@ -21968,7 +21984,7 @@
           <a:p>
             <a:fld id="{8084AFC5-17E4-4A26-A144-49682BD36ECA}" type="datetimeFigureOut">
               <a:rPr lang="en-US" dirty="0"/>
-              <a:t>3/1/2021</a:t>
+              <a:t>1/29/2022</a:t>
             </a:fld>
             <a:endParaRPr lang="en-US" dirty="0"/>
           </a:p>
@@ -22147,7 +22163,7 @@
           <a:p>
             <a:fld id="{F8679482-E0DA-4858-9A19-F8B792C0C3D9}" type="datetimeFigureOut">
               <a:rPr lang="en-US" dirty="0"/>
-              <a:t>3/1/2021</a:t>
+              <a:t>1/29/2022</a:t>
             </a:fld>
             <a:endParaRPr lang="en-US" dirty="0"/>
           </a:p>
@@ -22317,7 +22333,7 @@
           <a:p>
             <a:fld id="{57C10A69-C0BC-4A5A-8FE4-5D0B5D0F11EE}" type="datetimeFigureOut">
               <a:rPr lang="en-US" dirty="0"/>
-              <a:t>3/1/2021</a:t>
+              <a:t>1/29/2022</a:t>
             </a:fld>
             <a:endParaRPr lang="en-US" dirty="0"/>
           </a:p>
@@ -22562,7 +22578,7 @@
           <a:p>
             <a:fld id="{9D653B61-F054-442D-881D-6A81C2774BFE}" type="datetimeFigureOut">
               <a:rPr lang="en-US" dirty="0"/>
-              <a:t>3/1/2021</a:t>
+              <a:t>1/29/2022</a:t>
             </a:fld>
             <a:endParaRPr lang="en-US" dirty="0"/>
           </a:p>
@@ -22794,7 +22810,7 @@
           <a:p>
             <a:fld id="{A2A8CD3A-8283-4FC4-856C-D5E0BF662449}" type="datetimeFigureOut">
               <a:rPr lang="en-US" dirty="0"/>
-              <a:t>3/1/2021</a:t>
+              <a:t>1/29/2022</a:t>
             </a:fld>
             <a:endParaRPr lang="en-US" dirty="0"/>
           </a:p>
@@ -23174,7 +23190,7 @@
           <a:p>
             <a:fld id="{53D8FEE8-FC08-4C54-BE1B-81CB6CA05FC8}" type="datetimeFigureOut">
               <a:rPr lang="en-US" dirty="0"/>
-              <a:t>3/1/2021</a:t>
+              <a:t>1/29/2022</a:t>
             </a:fld>
             <a:endParaRPr lang="en-US" dirty="0"/>
           </a:p>
@@ -23287,7 +23303,7 @@
           <a:p>
             <a:fld id="{B2EA528B-AADB-4276-9F0D-B13FCF86F309}" type="datetimeFigureOut">
               <a:rPr lang="en-US" dirty="0"/>
-              <a:t>3/1/2021</a:t>
+              <a:t>1/29/2022</a:t>
             </a:fld>
             <a:endParaRPr lang="en-US" dirty="0"/>
           </a:p>
@@ -23377,7 +23393,7 @@
           <a:p>
             <a:fld id="{A876497F-A1E4-4C0B-8811-954A59B26923}" type="datetimeFigureOut">
               <a:rPr lang="en-US" dirty="0"/>
-              <a:t>3/1/2021</a:t>
+              <a:t>1/29/2022</a:t>
             </a:fld>
             <a:endParaRPr lang="en-US" dirty="0"/>
           </a:p>
@@ -23625,7 +23641,7 @@
           <a:p>
             <a:fld id="{9F1824E7-1432-4F89-B9E6-59843C6C91FE}" type="datetimeFigureOut">
               <a:rPr lang="en-US" dirty="0"/>
-              <a:t>3/1/2021</a:t>
+              <a:t>1/29/2022</a:t>
             </a:fld>
             <a:endParaRPr lang="en-US" dirty="0"/>
           </a:p>
@@ -23889,7 +23905,7 @@
           <a:p>
             <a:fld id="{620AAD9C-D29C-4D1E-A739-CC3C95B41085}" type="datetimeFigureOut">
               <a:rPr lang="en-US" dirty="0"/>
-              <a:t>3/1/2021</a:t>
+              <a:t>1/29/2022</a:t>
             </a:fld>
             <a:endParaRPr lang="en-US" dirty="0"/>
           </a:p>
@@ -24288,7 +24304,7 @@
           <a:p>
             <a:fld id="{DC48ED7C-D9A5-4EA8-B309-6E368BFA8F2B}" type="datetimeFigureOut">
               <a:rPr lang="en-US" dirty="0"/>
-              <a:t>3/1/2021</a:t>
+              <a:t>1/29/2022</a:t>
             </a:fld>
             <a:endParaRPr lang="en-US" dirty="0"/>
           </a:p>
@@ -25622,8 +25638,12 @@
           <a:lstStyle/>
           <a:p>
             <a:r>
+              <a:rPr lang="en-US"/>
+              <a:t>Ceremonies (Events/meetings) </a:t>
+            </a:r>
+            <a:r>
               <a:rPr lang="en-US" dirty="0"/>
-              <a:t>Events in scrum</a:t>
+              <a:t>in scrum</a:t>
             </a:r>
           </a:p>
         </p:txBody>
